--- a/Cours-Konda/Algorithmie-partie1.pptx
+++ b/Cours-Konda/Algorithmie-partie1.pptx
@@ -9877,163 +9877,155 @@
           </a:bodyPr>
           <a:lstStyle/>
           <a:p>
-            <a:endParaRPr lang="en-US"/>
-          </a:p>
-          <a:p>
-            <a:r>
-              <a:rPr lang="en-US"/>
+            <a:endParaRPr lang="en-US" dirty="0"/>
+          </a:p>
+          <a:p>
+            <a:r>
+              <a:rPr lang="en-US" dirty="0"/>
               <a:t>Me declarer </a:t>
             </a:r>
             <a:r>
-              <a:rPr lang="en-US" err="1"/>
+              <a:rPr lang="en-US" dirty="0" err="1"/>
               <a:t>une</a:t>
             </a:r>
             <a:r>
-              <a:rPr lang="en-US"/>
+              <a:rPr lang="en-US" dirty="0"/>
               <a:t> variable type entire, </a:t>
             </a:r>
             <a:r>
-              <a:rPr lang="en-US" err="1"/>
+              <a:rPr lang="en-US" dirty="0" err="1"/>
               <a:t>lui</a:t>
             </a:r>
             <a:r>
-              <a:rPr lang="en-US"/>
+              <a:rPr lang="en-US" dirty="0"/>
               <a:t> donner </a:t>
             </a:r>
             <a:r>
-              <a:rPr lang="en-US" err="1"/>
+              <a:rPr lang="en-US" dirty="0" err="1"/>
               <a:t>une</a:t>
             </a:r>
             <a:r>
-              <a:rPr lang="en-US"/>
+              <a:rPr lang="en-US" dirty="0"/>
               <a:t> Valeur </a:t>
             </a:r>
             <a:r>
-              <a:rPr lang="en-US" err="1"/>
+              <a:rPr lang="en-US" dirty="0" err="1"/>
               <a:t>puis</a:t>
             </a:r>
             <a:r>
-              <a:rPr lang="en-US"/>
+              <a:rPr lang="en-US" dirty="0"/>
               <a:t> </a:t>
             </a:r>
             <a:r>
-              <a:rPr lang="en-US" err="1"/>
+              <a:rPr lang="en-US" dirty="0" err="1"/>
               <a:t>l’afficher</a:t>
             </a:r>
-            <a:endParaRPr lang="en-US"/>
-          </a:p>
-          <a:p>
-            <a:endParaRPr lang="en-US"/>
-          </a:p>
-          <a:p>
-            <a:r>
-              <a:rPr lang="en-US"/>
+            <a:endParaRPr lang="en-US" dirty="0"/>
+          </a:p>
+          <a:p>
+            <a:endParaRPr lang="en-US" dirty="0"/>
+          </a:p>
+          <a:p>
+            <a:r>
+              <a:rPr lang="en-US" dirty="0"/>
               <a:t>Avec Scanner &amp; Print, je me faire </a:t>
             </a:r>
             <a:r>
-              <a:rPr lang="en-US" err="1"/>
+              <a:rPr lang="en-US" dirty="0" err="1"/>
               <a:t>afficher</a:t>
             </a:r>
             <a:r>
-              <a:rPr lang="en-US"/>
+              <a:rPr lang="en-US" dirty="0"/>
               <a:t> </a:t>
             </a:r>
             <a:r>
-              <a:rPr lang="en-US" err="1"/>
+              <a:rPr lang="en-US" dirty="0" err="1"/>
               <a:t>votre</a:t>
             </a:r>
             <a:r>
-              <a:rPr lang="en-US"/>
+              <a:rPr lang="en-US" dirty="0"/>
               <a:t> message </a:t>
             </a:r>
             <a:r>
-              <a:rPr lang="en-US" err="1"/>
+              <a:rPr lang="en-US" dirty="0" err="1"/>
               <a:t>d'entrée</a:t>
             </a:r>
             <a:r>
-              <a:rPr lang="en-US"/>
+              <a:rPr lang="en-US" dirty="0"/>
               <a:t>.</a:t>
             </a:r>
           </a:p>
           <a:p>
-            <a:endParaRPr lang="en-US"/>
-          </a:p>
-          <a:p>
-            <a:r>
-              <a:rPr lang="en-US"/>
+            <a:endParaRPr lang="en-US" dirty="0"/>
+          </a:p>
+          <a:p>
+            <a:r>
+              <a:rPr lang="en-US" dirty="0"/>
               <a:t>Avec scanner et If , me faire un </a:t>
             </a:r>
             <a:r>
-              <a:rPr lang="en-US" err="1"/>
+              <a:rPr lang="en-US" dirty="0" err="1"/>
               <a:t>algorithme</a:t>
             </a:r>
             <a:r>
-              <a:rPr lang="en-US"/>
+              <a:rPr lang="en-US" dirty="0"/>
               <a:t> qui </a:t>
             </a:r>
             <a:r>
-              <a:rPr lang="en-US" err="1"/>
+              <a:rPr lang="en-US" dirty="0" err="1"/>
               <a:t>permet</a:t>
             </a:r>
             <a:r>
-              <a:rPr lang="en-US"/>
+              <a:rPr lang="en-US" dirty="0"/>
               <a:t> de faire la </a:t>
             </a:r>
             <a:r>
-              <a:rPr lang="en-US" err="1"/>
+              <a:rPr lang="en-US" dirty="0" err="1"/>
               <a:t>somme</a:t>
             </a:r>
             <a:r>
-              <a:rPr lang="en-US"/>
+              <a:rPr lang="en-US" dirty="0"/>
               <a:t> de deux </a:t>
             </a:r>
             <a:r>
-              <a:rPr lang="en-US" err="1"/>
+              <a:rPr lang="en-US" dirty="0" err="1"/>
               <a:t>valeurs</a:t>
             </a:r>
             <a:r>
-              <a:rPr lang="en-US"/>
+              <a:rPr lang="en-US" dirty="0"/>
               <a:t> </a:t>
             </a:r>
             <a:r>
-              <a:rPr lang="en-US" err="1"/>
+              <a:rPr lang="en-US" dirty="0" err="1"/>
               <a:t>entiers</a:t>
             </a:r>
             <a:r>
-              <a:rPr lang="en-US"/>
+              <a:rPr lang="en-US" dirty="0"/>
               <a:t> et me dire </a:t>
             </a:r>
             <a:r>
-              <a:rPr lang="en-US" err="1"/>
+              <a:rPr lang="en-US" dirty="0" err="1"/>
               <a:t>si</a:t>
             </a:r>
             <a:r>
-              <a:rPr lang="en-US"/>
+              <a:rPr lang="en-US" dirty="0"/>
               <a:t> la </a:t>
             </a:r>
             <a:r>
-              <a:rPr lang="en-US" err="1"/>
+              <a:rPr lang="en-US" dirty="0" err="1"/>
               <a:t>valeur</a:t>
             </a:r>
             <a:r>
-              <a:rPr lang="en-US"/>
-              <a:t> </a:t>
-            </a:r>
-            <a:r>
-              <a:rPr lang="en-US" err="1"/>
-              <a:t>est</a:t>
-            </a:r>
-            <a:r>
-              <a:rPr lang="en-US"/>
-              <a:t> supérieur à 10.</a:t>
-            </a:r>
-          </a:p>
-          <a:p>
-            <a:endParaRPr lang="en-US"/>
-          </a:p>
-          <a:p>
-            <a:r>
-              <a:rPr lang="en-US" b="1">
+              <a:rPr lang="en-US" dirty="0"/>
+              <a:t> est supérieur à 10.</a:t>
+            </a:r>
+          </a:p>
+          <a:p>
+            <a:endParaRPr lang="en-US" dirty="0"/>
+          </a:p>
+          <a:p>
+            <a:r>
+              <a:rPr lang="en-US" b="1" dirty="0">
                 <a:solidFill>
                   <a:srgbClr val="FF0000"/>
                 </a:solidFill>
@@ -10041,14 +10033,14 @@
               <a:t>Pseudo code et code Java </a:t>
             </a:r>
             <a:r>
-              <a:rPr lang="en-US" b="1" err="1">
+              <a:rPr lang="en-US" b="1" dirty="0" err="1">
                 <a:solidFill>
                   <a:srgbClr val="FF0000"/>
                 </a:solidFill>
               </a:rPr>
               <a:t>demandé</a:t>
             </a:r>
-            <a:endParaRPr lang="en-US" b="1">
+            <a:endParaRPr lang="en-US" b="1" dirty="0">
               <a:solidFill>
                 <a:srgbClr val="FF0000"/>
               </a:solidFill>
